--- a/presentation/age_impact_scores.pptx
+++ b/presentation/age_impact_scores.pptx
@@ -106,6 +106,11 @@
       </a:defRPr>
     </a:lvl9pPr>
   </p:defaultTextStyle>
+  <p:extLst>
+    <p:ext uri="{EFAFB233-063F-42B5-8137-9DF3F51BA10A}">
+      <p15:sldGuideLst xmlns:p15="http://schemas.microsoft.com/office/powerpoint/2012/main"/>
+    </p:ext>
+  </p:extLst>
 </p:presentation>
 </file>
 
@@ -256,7 +261,7 @@
           <a:p>
             <a:fld id="{C8776DBF-C7B4-4CC4-8384-91DEE685B23C}" type="datetimeFigureOut">
               <a:rPr lang="en-US" smtClean="0"/>
-              <a:t>11/30/2023</a:t>
+              <a:t>12/1/2023</a:t>
             </a:fld>
             <a:endParaRPr lang="en-US"/>
           </a:p>
@@ -454,7 +459,7 @@
           <a:p>
             <a:fld id="{C8776DBF-C7B4-4CC4-8384-91DEE685B23C}" type="datetimeFigureOut">
               <a:rPr lang="en-US" smtClean="0"/>
-              <a:t>11/30/2023</a:t>
+              <a:t>12/1/2023</a:t>
             </a:fld>
             <a:endParaRPr lang="en-US"/>
           </a:p>
@@ -662,7 +667,7 @@
           <a:p>
             <a:fld id="{C8776DBF-C7B4-4CC4-8384-91DEE685B23C}" type="datetimeFigureOut">
               <a:rPr lang="en-US" smtClean="0"/>
-              <a:t>11/30/2023</a:t>
+              <a:t>12/1/2023</a:t>
             </a:fld>
             <a:endParaRPr lang="en-US"/>
           </a:p>
@@ -860,7 +865,7 @@
           <a:p>
             <a:fld id="{C8776DBF-C7B4-4CC4-8384-91DEE685B23C}" type="datetimeFigureOut">
               <a:rPr lang="en-US" smtClean="0"/>
-              <a:t>11/30/2023</a:t>
+              <a:t>12/1/2023</a:t>
             </a:fld>
             <a:endParaRPr lang="en-US"/>
           </a:p>
@@ -1135,7 +1140,7 @@
           <a:p>
             <a:fld id="{C8776DBF-C7B4-4CC4-8384-91DEE685B23C}" type="datetimeFigureOut">
               <a:rPr lang="en-US" smtClean="0"/>
-              <a:t>11/30/2023</a:t>
+              <a:t>12/1/2023</a:t>
             </a:fld>
             <a:endParaRPr lang="en-US"/>
           </a:p>
@@ -1400,7 +1405,7 @@
           <a:p>
             <a:fld id="{C8776DBF-C7B4-4CC4-8384-91DEE685B23C}" type="datetimeFigureOut">
               <a:rPr lang="en-US" smtClean="0"/>
-              <a:t>11/30/2023</a:t>
+              <a:t>12/1/2023</a:t>
             </a:fld>
             <a:endParaRPr lang="en-US"/>
           </a:p>
@@ -1812,7 +1817,7 @@
           <a:p>
             <a:fld id="{C8776DBF-C7B4-4CC4-8384-91DEE685B23C}" type="datetimeFigureOut">
               <a:rPr lang="en-US" smtClean="0"/>
-              <a:t>11/30/2023</a:t>
+              <a:t>12/1/2023</a:t>
             </a:fld>
             <a:endParaRPr lang="en-US"/>
           </a:p>
@@ -1953,7 +1958,7 @@
           <a:p>
             <a:fld id="{C8776DBF-C7B4-4CC4-8384-91DEE685B23C}" type="datetimeFigureOut">
               <a:rPr lang="en-US" smtClean="0"/>
-              <a:t>11/30/2023</a:t>
+              <a:t>12/1/2023</a:t>
             </a:fld>
             <a:endParaRPr lang="en-US"/>
           </a:p>
@@ -2066,7 +2071,7 @@
           <a:p>
             <a:fld id="{C8776DBF-C7B4-4CC4-8384-91DEE685B23C}" type="datetimeFigureOut">
               <a:rPr lang="en-US" smtClean="0"/>
-              <a:t>11/30/2023</a:t>
+              <a:t>12/1/2023</a:t>
             </a:fld>
             <a:endParaRPr lang="en-US"/>
           </a:p>
@@ -2377,7 +2382,7 @@
           <a:p>
             <a:fld id="{C8776DBF-C7B4-4CC4-8384-91DEE685B23C}" type="datetimeFigureOut">
               <a:rPr lang="en-US" smtClean="0"/>
-              <a:t>11/30/2023</a:t>
+              <a:t>12/1/2023</a:t>
             </a:fld>
             <a:endParaRPr lang="en-US"/>
           </a:p>
@@ -2665,7 +2670,7 @@
           <a:p>
             <a:fld id="{C8776DBF-C7B4-4CC4-8384-91DEE685B23C}" type="datetimeFigureOut">
               <a:rPr lang="en-US" smtClean="0"/>
-              <a:t>11/30/2023</a:t>
+              <a:t>12/1/2023</a:t>
             </a:fld>
             <a:endParaRPr lang="en-US"/>
           </a:p>
@@ -2906,7 +2911,7 @@
           <a:p>
             <a:fld id="{C8776DBF-C7B4-4CC4-8384-91DEE685B23C}" type="datetimeFigureOut">
               <a:rPr lang="en-US" smtClean="0"/>
-              <a:t>11/30/2023</a:t>
+              <a:t>12/1/2023</a:t>
             </a:fld>
             <a:endParaRPr lang="en-US"/>
           </a:p>
@@ -3353,7 +3358,7 @@
         </p:blipFill>
         <p:spPr>
           <a:xfrm>
-            <a:off x="112351" y="689229"/>
+            <a:off x="106413" y="1401748"/>
             <a:ext cx="8485385" cy="5195922"/>
           </a:xfrm>
         </p:spPr>
@@ -3372,7 +3377,7 @@
         </p:nvSpPr>
         <p:spPr>
           <a:xfrm>
-            <a:off x="8651174" y="849086"/>
+            <a:off x="8746177" y="1552885"/>
             <a:ext cx="3093521" cy="4893647"/>
           </a:xfrm>
           <a:prstGeom prst="rect">
@@ -3398,6 +3403,41 @@
             <a:r>
               <a:rPr lang="en-US" sz="2400" dirty="0"/>
               <a:t>However, when looking from ages 1.5 to 4, each domain follows a similar trend (decreases until 2, peaks at 2.2, falls with bumps until 3.6)</a:t>
+            </a:r>
+          </a:p>
+        </p:txBody>
+      </p:sp>
+      <p:sp>
+        <p:nvSpPr>
+          <p:cNvPr id="2" name="TextBox 1">
+            <a:extLst>
+              <a:ext uri="{FF2B5EF4-FFF2-40B4-BE49-F238E27FC236}">
+                <a16:creationId xmlns:a16="http://schemas.microsoft.com/office/drawing/2014/main" id="{63387EE3-193B-5565-34B7-C9FEADA5B114}"/>
+              </a:ext>
+            </a:extLst>
+          </p:cNvPr>
+          <p:cNvSpPr txBox="1"/>
+          <p:nvPr/>
+        </p:nvSpPr>
+        <p:spPr>
+          <a:xfrm>
+            <a:off x="3551711" y="190005"/>
+            <a:ext cx="5088577" cy="646331"/>
+          </a:xfrm>
+          <a:prstGeom prst="rect">
+            <a:avLst/>
+          </a:prstGeom>
+          <a:noFill/>
+        </p:spPr>
+        <p:txBody>
+          <a:bodyPr wrap="square" rtlCol="0">
+            <a:spAutoFit/>
+          </a:bodyPr>
+          <a:lstStyle/>
+          <a:p>
+            <a:r>
+              <a:rPr lang="en-US" sz="3600" b="1" dirty="0"/>
+              <a:t>Does Age Impact Scores?</a:t>
             </a:r>
           </a:p>
         </p:txBody>
